--- a/assets/slides/E2 - Java Basics.pptx
+++ b/assets/slides/E2 - Java Basics.pptx
@@ -23208,7 +23208,7 @@
         <p:spPr/>
         <p:txBody>
           <a:bodyPr>
-            <a:normAutofit lnSpcReduction="10000"/>
+            <a:normAutofit fontScale="92500"/>
           </a:bodyPr>
           <a:lstStyle/>
           <a:p>
@@ -23447,6 +23447,17 @@
                 </a:schemeClr>
               </a:solidFill>
             </a:endParaRPr>
+          </a:p>
+          <a:p>
+            <a:pPr lvl="1"/>
+            <a:r>
+              <a:rPr lang="it-IT" dirty="0" err="1"/>
+              <a:t>copyOf</a:t>
+            </a:r>
+            <a:r>
+              <a:rPr lang="it-IT" dirty="0"/>
+              <a:t>()</a:t>
+            </a:r>
           </a:p>
           <a:p>
             <a:pPr lvl="1"/>
@@ -23694,6 +23705,55 @@
                 <a:latin typeface="Consolas" panose="020B0609020204030204" pitchFamily="49" charset="0"/>
                 <a:cs typeface="Consolas" panose="020B0609020204030204" pitchFamily="49" charset="0"/>
               </a:rPr>
+              <a:t> int[] copy = </a:t>
+            </a:r>
+            <a:r>
+              <a:rPr lang="en-GB" sz="2400" dirty="0" err="1">
+                <a:latin typeface="Consolas" panose="020B0609020204030204" pitchFamily="49" charset="0"/>
+                <a:cs typeface="Consolas" panose="020B0609020204030204" pitchFamily="49" charset="0"/>
+              </a:rPr>
+              <a:t>Arrays.copyOf</a:t>
+            </a:r>
+            <a:r>
+              <a:rPr lang="en-GB" sz="2400" dirty="0">
+                <a:latin typeface="Consolas" panose="020B0609020204030204" pitchFamily="49" charset="0"/>
+                <a:cs typeface="Consolas" panose="020B0609020204030204" pitchFamily="49" charset="0"/>
+              </a:rPr>
+              <a:t>(v, </a:t>
+            </a:r>
+            <a:r>
+              <a:rPr lang="en-GB" sz="2400" dirty="0" err="1">
+                <a:latin typeface="Consolas" panose="020B0609020204030204" pitchFamily="49" charset="0"/>
+                <a:cs typeface="Consolas" panose="020B0609020204030204" pitchFamily="49" charset="0"/>
+              </a:rPr>
+              <a:t>v.length</a:t>
+            </a:r>
+            <a:r>
+              <a:rPr lang="en-GB" sz="2400" dirty="0">
+                <a:latin typeface="Consolas" panose="020B0609020204030204" pitchFamily="49" charset="0"/>
+                <a:cs typeface="Consolas" panose="020B0609020204030204" pitchFamily="49" charset="0"/>
+              </a:rPr>
+              <a:t>);</a:t>
+            </a:r>
+          </a:p>
+          <a:p>
+            <a:pPr marL="0" indent="0">
+              <a:buNone/>
+            </a:pPr>
+            <a:endParaRPr lang="en-GB" sz="2400" dirty="0">
+              <a:latin typeface="Consolas" panose="020B0609020204030204" pitchFamily="49" charset="0"/>
+              <a:cs typeface="Consolas" panose="020B0609020204030204" pitchFamily="49" charset="0"/>
+            </a:endParaRPr>
+          </a:p>
+          <a:p>
+            <a:pPr marL="0" indent="0">
+              <a:buNone/>
+            </a:pPr>
+            <a:r>
+              <a:rPr lang="en-GB" sz="2400" dirty="0">
+                <a:latin typeface="Consolas" panose="020B0609020204030204" pitchFamily="49" charset="0"/>
+                <a:cs typeface="Consolas" panose="020B0609020204030204" pitchFamily="49" charset="0"/>
+              </a:rPr>
               <a:t> int[] w = {1,3,2,6,5,4,7,9,8};</a:t>
             </a:r>
           </a:p>
@@ -24877,108 +24937,99 @@
           <a:lstStyle/>
           <a:p>
             <a:r>
-              <a:rPr lang="en-GB" sz="2400" b="0" i="0" dirty="0">
+              <a:rPr lang="en-GB" sz="2400" i="0" dirty="0">
                 <a:solidFill>
                   <a:srgbClr val="202124"/>
                 </a:solidFill>
                 <a:effectLst/>
-                <a:latin typeface="arial" panose="020B0604020202020204" pitchFamily="34" charset="0"/>
+                <a:latin typeface="Calibri" panose="020F0502020204030204" pitchFamily="34" charset="0"/>
+                <a:cs typeface="Calibri" panose="020F0502020204030204" pitchFamily="34" charset="0"/>
               </a:rPr>
               <a:t>The </a:t>
             </a:r>
             <a:r>
-              <a:rPr lang="en-GB" sz="2400" b="0" i="0" dirty="0" err="1">
+              <a:rPr lang="en-GB" sz="2400" i="0" dirty="0" err="1">
                 <a:solidFill>
                   <a:srgbClr val="202124"/>
                 </a:solidFill>
                 <a:effectLst/>
-                <a:latin typeface="arial" panose="020B0604020202020204" pitchFamily="34" charset="0"/>
+                <a:latin typeface="Calibri" panose="020F0502020204030204" pitchFamily="34" charset="0"/>
+                <a:cs typeface="Calibri" panose="020F0502020204030204" pitchFamily="34" charset="0"/>
               </a:rPr>
               <a:t>ArrayList</a:t>
             </a:r>
             <a:r>
-              <a:rPr lang="en-GB" sz="2400" b="0" i="0" dirty="0">
+              <a:rPr lang="en-GB" sz="2400" i="0" dirty="0">
                 <a:solidFill>
                   <a:srgbClr val="202124"/>
                 </a:solidFill>
                 <a:effectLst/>
-                <a:latin typeface="arial" panose="020B0604020202020204" pitchFamily="34" charset="0"/>
-              </a:rPr>
-              <a:t> class is </a:t>
-            </a:r>
-            <a:r>
-              <a:rPr lang="en-GB" sz="2400" b="1" i="0" dirty="0">
+                <a:latin typeface="Calibri" panose="020F0502020204030204" pitchFamily="34" charset="0"/>
+                <a:cs typeface="Calibri" panose="020F0502020204030204" pitchFamily="34" charset="0"/>
+              </a:rPr>
+              <a:t> class is a resizable array, which can be found in the </a:t>
+            </a:r>
+            <a:r>
+              <a:rPr lang="en-GB" sz="2400" i="0" dirty="0" err="1">
                 <a:solidFill>
                   <a:srgbClr val="202124"/>
                 </a:solidFill>
                 <a:effectLst/>
-                <a:latin typeface="arial" panose="020B0604020202020204" pitchFamily="34" charset="0"/>
-              </a:rPr>
-              <a:t>a resizable array, which can be found in the </a:t>
-            </a:r>
-            <a:r>
-              <a:rPr lang="en-GB" sz="2400" b="1" i="0" dirty="0" err="1">
+                <a:latin typeface="Calibri" panose="020F0502020204030204" pitchFamily="34" charset="0"/>
+                <a:cs typeface="Calibri" panose="020F0502020204030204" pitchFamily="34" charset="0"/>
+              </a:rPr>
+              <a:t>java.util</a:t>
+            </a:r>
+            <a:r>
+              <a:rPr lang="en-GB" sz="2400" i="0" dirty="0">
                 <a:solidFill>
                   <a:srgbClr val="202124"/>
                 </a:solidFill>
                 <a:effectLst/>
-                <a:latin typeface="arial" panose="020B0604020202020204" pitchFamily="34" charset="0"/>
-              </a:rPr>
-              <a:t>java.util</a:t>
-            </a:r>
-            <a:r>
-              <a:rPr lang="en-GB" sz="2400" b="1" i="0" dirty="0">
+                <a:latin typeface="Calibri" panose="020F0502020204030204" pitchFamily="34" charset="0"/>
+                <a:cs typeface="Calibri" panose="020F0502020204030204" pitchFamily="34" charset="0"/>
+              </a:rPr>
+              <a:t> package. </a:t>
+            </a:r>
+          </a:p>
+          <a:p>
+            <a:r>
+              <a:rPr lang="en-GB" sz="2400" i="0" dirty="0">
                 <a:solidFill>
                   <a:srgbClr val="202124"/>
                 </a:solidFill>
                 <a:effectLst/>
-                <a:latin typeface="arial" panose="020B0604020202020204" pitchFamily="34" charset="0"/>
-              </a:rPr>
-              <a:t> package</a:t>
-            </a:r>
-            <a:r>
-              <a:rPr lang="en-GB" sz="2400" b="0" i="0" dirty="0">
+                <a:latin typeface="Calibri" panose="020F0502020204030204" pitchFamily="34" charset="0"/>
+                <a:cs typeface="Calibri" panose="020F0502020204030204" pitchFamily="34" charset="0"/>
+              </a:rPr>
+              <a:t>The difference between a built-in array and an </a:t>
+            </a:r>
+            <a:r>
+              <a:rPr lang="en-GB" sz="2400" i="0" dirty="0" err="1">
                 <a:solidFill>
                   <a:srgbClr val="202124"/>
                 </a:solidFill>
                 <a:effectLst/>
-                <a:latin typeface="arial" panose="020B0604020202020204" pitchFamily="34" charset="0"/>
-              </a:rPr>
-              <a:t>. </a:t>
-            </a:r>
-          </a:p>
-          <a:p>
-            <a:r>
-              <a:rPr lang="en-GB" sz="2400" b="0" i="0" dirty="0">
+                <a:latin typeface="Calibri" panose="020F0502020204030204" pitchFamily="34" charset="0"/>
+                <a:cs typeface="Calibri" panose="020F0502020204030204" pitchFamily="34" charset="0"/>
+              </a:rPr>
+              <a:t>ArrayList</a:t>
+            </a:r>
+            <a:r>
+              <a:rPr lang="en-GB" sz="2400" i="0" dirty="0">
                 <a:solidFill>
                   <a:srgbClr val="202124"/>
                 </a:solidFill>
                 <a:effectLst/>
-                <a:latin typeface="arial" panose="020B0604020202020204" pitchFamily="34" charset="0"/>
-              </a:rPr>
-              <a:t>The difference between a built-in array and an </a:t>
-            </a:r>
-            <a:r>
-              <a:rPr lang="en-GB" sz="2400" b="0" i="0" dirty="0" err="1">
-                <a:solidFill>
-                  <a:srgbClr val="202124"/>
-                </a:solidFill>
-                <a:effectLst/>
-                <a:latin typeface="arial" panose="020B0604020202020204" pitchFamily="34" charset="0"/>
-              </a:rPr>
-              <a:t>ArrayList</a:t>
-            </a:r>
-            <a:r>
-              <a:rPr lang="en-GB" sz="2400" b="0" i="0" dirty="0">
-                <a:solidFill>
-                  <a:srgbClr val="202124"/>
-                </a:solidFill>
-                <a:effectLst/>
-                <a:latin typeface="arial" panose="020B0604020202020204" pitchFamily="34" charset="0"/>
+                <a:latin typeface="Calibri" panose="020F0502020204030204" pitchFamily="34" charset="0"/>
+                <a:cs typeface="Calibri" panose="020F0502020204030204" pitchFamily="34" charset="0"/>
               </a:rPr>
               <a:t> in Java, is that the size of an array cannot be modified (if you want to add or remove elements to/from an array, you have to create a new one).</a:t>
             </a:r>
-            <a:endParaRPr lang="en-IT" sz="2400" dirty="0"/>
+            <a:endParaRPr lang="en-IT" sz="2400" dirty="0">
+              <a:latin typeface="Calibri" panose="020F0502020204030204" pitchFamily="34" charset="0"/>
+              <a:cs typeface="Calibri" panose="020F0502020204030204" pitchFamily="34" charset="0"/>
+            </a:endParaRPr>
           </a:p>
         </p:txBody>
       </p:sp>

--- a/assets/slides/E2 - Java Basics.pptx
+++ b/assets/slides/E2 - Java Basics.pptx
@@ -291,7 +291,7 @@
           <a:p>
             <a:fld id="{5591E39A-28E5-5D4D-B97C-ECEB96F19817}" type="datetimeFigureOut">
               <a:rPr lang="en-IT" smtClean="0"/>
-              <a:t>28/02/23</a:t>
+              <a:t>01/03/23</a:t>
             </a:fld>
             <a:endParaRPr lang="en-IT"/>
           </a:p>
@@ -470,7 +470,7 @@
             <a:fld id="{BAEB7694-8561-4BE2-948D-EDF7A201F8BB}" type="datetimeFigureOut">
               <a:rPr lang="it-IT" smtClean="0"/>
               <a:pPr/>
-              <a:t>28/02/23</a:t>
+              <a:t>01/03/23</a:t>
             </a:fld>
             <a:endParaRPr lang="it-IT"/>
           </a:p>
@@ -24967,7 +24967,31 @@
                 <a:latin typeface="Calibri" panose="020F0502020204030204" pitchFamily="34" charset="0"/>
                 <a:cs typeface="Calibri" panose="020F0502020204030204" pitchFamily="34" charset="0"/>
               </a:rPr>
-              <a:t> class is a resizable array, which can be found in the </a:t>
+              <a:t> class is a </a:t>
+            </a:r>
+            <a:r>
+              <a:rPr lang="en-GB" sz="2400" i="0" dirty="0">
+                <a:solidFill>
+                  <a:schemeClr val="accent6">
+                    <a:lumMod val="75000"/>
+                  </a:schemeClr>
+                </a:solidFill>
+                <a:effectLst/>
+                <a:latin typeface="Calibri" panose="020F0502020204030204" pitchFamily="34" charset="0"/>
+                <a:cs typeface="Calibri" panose="020F0502020204030204" pitchFamily="34" charset="0"/>
+              </a:rPr>
+              <a:t>resizable array</a:t>
+            </a:r>
+            <a:r>
+              <a:rPr lang="en-GB" sz="2400" i="0" dirty="0">
+                <a:solidFill>
+                  <a:srgbClr val="202124"/>
+                </a:solidFill>
+                <a:effectLst/>
+                <a:latin typeface="Calibri" panose="020F0502020204030204" pitchFamily="34" charset="0"/>
+                <a:cs typeface="Calibri" panose="020F0502020204030204" pitchFamily="34" charset="0"/>
+              </a:rPr>
+              <a:t>, which can be found in the </a:t>
             </a:r>
             <a:r>
               <a:rPr lang="en-GB" sz="2400" i="0" dirty="0" err="1">
@@ -25056,7 +25080,238 @@
           </a:bodyPr>
           <a:lstStyle/>
           <a:p>
-            <a:endParaRPr lang="en-IT"/>
+            <a:pPr marL="0" indent="0">
+              <a:buNone/>
+            </a:pPr>
+            <a:r>
+              <a:rPr lang="en-GB" sz="1800" dirty="0" err="1">
+                <a:latin typeface="Consolas" panose="020B0609020204030204" pitchFamily="49" charset="0"/>
+                <a:cs typeface="Consolas" panose="020B0609020204030204" pitchFamily="49" charset="0"/>
+              </a:rPr>
+              <a:t>ArrayList</a:t>
+            </a:r>
+            <a:r>
+              <a:rPr lang="en-GB" sz="1800" dirty="0">
+                <a:latin typeface="Consolas" panose="020B0609020204030204" pitchFamily="49" charset="0"/>
+                <a:cs typeface="Consolas" panose="020B0609020204030204" pitchFamily="49" charset="0"/>
+              </a:rPr>
+              <a:t>&lt;String&gt; l = new </a:t>
+            </a:r>
+            <a:r>
+              <a:rPr lang="en-GB" sz="1800" dirty="0" err="1">
+                <a:latin typeface="Consolas" panose="020B0609020204030204" pitchFamily="49" charset="0"/>
+                <a:cs typeface="Consolas" panose="020B0609020204030204" pitchFamily="49" charset="0"/>
+              </a:rPr>
+              <a:t>ArrayList</a:t>
+            </a:r>
+            <a:r>
+              <a:rPr lang="en-GB" sz="1800" dirty="0">
+                <a:latin typeface="Consolas" panose="020B0609020204030204" pitchFamily="49" charset="0"/>
+                <a:cs typeface="Consolas" panose="020B0609020204030204" pitchFamily="49" charset="0"/>
+              </a:rPr>
+              <a:t>&lt;&gt;();</a:t>
+            </a:r>
+          </a:p>
+          <a:p>
+            <a:pPr marL="0" indent="0">
+              <a:buNone/>
+            </a:pPr>
+            <a:endParaRPr lang="en-GB" sz="1800" dirty="0">
+              <a:latin typeface="Consolas" panose="020B0609020204030204" pitchFamily="49" charset="0"/>
+              <a:cs typeface="Consolas" panose="020B0609020204030204" pitchFamily="49" charset="0"/>
+            </a:endParaRPr>
+          </a:p>
+          <a:p>
+            <a:pPr marL="0" indent="0">
+              <a:buNone/>
+            </a:pPr>
+            <a:r>
+              <a:rPr lang="en-GB" sz="1800" dirty="0" err="1">
+                <a:latin typeface="Consolas" panose="020B0609020204030204" pitchFamily="49" charset="0"/>
+                <a:cs typeface="Consolas" panose="020B0609020204030204" pitchFamily="49" charset="0"/>
+              </a:rPr>
+              <a:t>l.add</a:t>
+            </a:r>
+            <a:r>
+              <a:rPr lang="en-GB" sz="1800" dirty="0">
+                <a:latin typeface="Consolas" panose="020B0609020204030204" pitchFamily="49" charset="0"/>
+                <a:cs typeface="Consolas" panose="020B0609020204030204" pitchFamily="49" charset="0"/>
+              </a:rPr>
+              <a:t>("</a:t>
+            </a:r>
+            <a:r>
+              <a:rPr lang="en-GB" sz="1800" dirty="0" err="1">
+                <a:latin typeface="Consolas" panose="020B0609020204030204" pitchFamily="49" charset="0"/>
+                <a:cs typeface="Consolas" panose="020B0609020204030204" pitchFamily="49" charset="0"/>
+              </a:rPr>
+              <a:t>nicola</a:t>
+            </a:r>
+            <a:r>
+              <a:rPr lang="en-GB" sz="1800" dirty="0">
+                <a:latin typeface="Consolas" panose="020B0609020204030204" pitchFamily="49" charset="0"/>
+                <a:cs typeface="Consolas" panose="020B0609020204030204" pitchFamily="49" charset="0"/>
+              </a:rPr>
+              <a:t>");</a:t>
+            </a:r>
+          </a:p>
+          <a:p>
+            <a:pPr marL="0" indent="0">
+              <a:buNone/>
+            </a:pPr>
+            <a:r>
+              <a:rPr lang="en-GB" sz="1800" dirty="0" err="1">
+                <a:latin typeface="Consolas" panose="020B0609020204030204" pitchFamily="49" charset="0"/>
+                <a:cs typeface="Consolas" panose="020B0609020204030204" pitchFamily="49" charset="0"/>
+              </a:rPr>
+              <a:t>l.add</a:t>
+            </a:r>
+            <a:r>
+              <a:rPr lang="en-GB" sz="1800" dirty="0">
+                <a:latin typeface="Consolas" panose="020B0609020204030204" pitchFamily="49" charset="0"/>
+                <a:cs typeface="Consolas" panose="020B0609020204030204" pitchFamily="49" charset="0"/>
+              </a:rPr>
+              <a:t>("</a:t>
+            </a:r>
+            <a:r>
+              <a:rPr lang="en-GB" sz="1800" dirty="0" err="1">
+                <a:latin typeface="Consolas" panose="020B0609020204030204" pitchFamily="49" charset="0"/>
+                <a:cs typeface="Consolas" panose="020B0609020204030204" pitchFamily="49" charset="0"/>
+              </a:rPr>
+              <a:t>rachele</a:t>
+            </a:r>
+            <a:r>
+              <a:rPr lang="en-GB" sz="1800" dirty="0">
+                <a:latin typeface="Consolas" panose="020B0609020204030204" pitchFamily="49" charset="0"/>
+                <a:cs typeface="Consolas" panose="020B0609020204030204" pitchFamily="49" charset="0"/>
+              </a:rPr>
+              <a:t>");</a:t>
+            </a:r>
+          </a:p>
+          <a:p>
+            <a:pPr marL="0" indent="0">
+              <a:buNone/>
+            </a:pPr>
+            <a:r>
+              <a:rPr lang="en-GB" sz="1800" dirty="0" err="1">
+                <a:latin typeface="Consolas" panose="020B0609020204030204" pitchFamily="49" charset="0"/>
+                <a:cs typeface="Consolas" panose="020B0609020204030204" pitchFamily="49" charset="0"/>
+              </a:rPr>
+              <a:t>l.remove</a:t>
+            </a:r>
+            <a:r>
+              <a:rPr lang="en-GB" sz="1800" dirty="0">
+                <a:latin typeface="Consolas" panose="020B0609020204030204" pitchFamily="49" charset="0"/>
+                <a:cs typeface="Consolas" panose="020B0609020204030204" pitchFamily="49" charset="0"/>
+              </a:rPr>
+              <a:t>("</a:t>
+            </a:r>
+            <a:r>
+              <a:rPr lang="en-GB" sz="1800" dirty="0" err="1">
+                <a:latin typeface="Consolas" panose="020B0609020204030204" pitchFamily="49" charset="0"/>
+                <a:cs typeface="Consolas" panose="020B0609020204030204" pitchFamily="49" charset="0"/>
+              </a:rPr>
+              <a:t>nicola</a:t>
+            </a:r>
+            <a:r>
+              <a:rPr lang="en-GB" sz="1800" dirty="0">
+                <a:latin typeface="Consolas" panose="020B0609020204030204" pitchFamily="49" charset="0"/>
+                <a:cs typeface="Consolas" panose="020B0609020204030204" pitchFamily="49" charset="0"/>
+              </a:rPr>
+              <a:t>");</a:t>
+            </a:r>
+          </a:p>
+          <a:p>
+            <a:pPr marL="0" indent="0">
+              <a:buNone/>
+            </a:pPr>
+            <a:endParaRPr lang="en-GB" sz="1800" dirty="0">
+              <a:latin typeface="Consolas" panose="020B0609020204030204" pitchFamily="49" charset="0"/>
+              <a:cs typeface="Consolas" panose="020B0609020204030204" pitchFamily="49" charset="0"/>
+            </a:endParaRPr>
+          </a:p>
+          <a:p>
+            <a:pPr marL="0" indent="0">
+              <a:buNone/>
+            </a:pPr>
+            <a:r>
+              <a:rPr lang="en-GB" sz="1800" dirty="0" err="1">
+                <a:latin typeface="Consolas" panose="020B0609020204030204" pitchFamily="49" charset="0"/>
+                <a:cs typeface="Consolas" panose="020B0609020204030204" pitchFamily="49" charset="0"/>
+              </a:rPr>
+              <a:t>System.out.println</a:t>
+            </a:r>
+            <a:r>
+              <a:rPr lang="en-GB" sz="1800" dirty="0">
+                <a:latin typeface="Consolas" panose="020B0609020204030204" pitchFamily="49" charset="0"/>
+                <a:cs typeface="Consolas" panose="020B0609020204030204" pitchFamily="49" charset="0"/>
+              </a:rPr>
+              <a:t>(</a:t>
+            </a:r>
+            <a:r>
+              <a:rPr lang="en-GB" sz="1800" dirty="0" err="1">
+                <a:latin typeface="Consolas" panose="020B0609020204030204" pitchFamily="49" charset="0"/>
+                <a:cs typeface="Consolas" panose="020B0609020204030204" pitchFamily="49" charset="0"/>
+              </a:rPr>
+              <a:t>l.get</a:t>
+            </a:r>
+            <a:r>
+              <a:rPr lang="en-GB" sz="1800" dirty="0">
+                <a:latin typeface="Consolas" panose="020B0609020204030204" pitchFamily="49" charset="0"/>
+                <a:cs typeface="Consolas" panose="020B0609020204030204" pitchFamily="49" charset="0"/>
+              </a:rPr>
+              <a:t>(0));</a:t>
+            </a:r>
+          </a:p>
+          <a:p>
+            <a:pPr marL="0" indent="0">
+              <a:buNone/>
+            </a:pPr>
+            <a:r>
+              <a:rPr lang="en-GB" sz="1800" dirty="0" err="1">
+                <a:latin typeface="Consolas" panose="020B0609020204030204" pitchFamily="49" charset="0"/>
+                <a:cs typeface="Consolas" panose="020B0609020204030204" pitchFamily="49" charset="0"/>
+              </a:rPr>
+              <a:t>System.out.println</a:t>
+            </a:r>
+            <a:r>
+              <a:rPr lang="en-GB" sz="1800" dirty="0">
+                <a:latin typeface="Consolas" panose="020B0609020204030204" pitchFamily="49" charset="0"/>
+                <a:cs typeface="Consolas" panose="020B0609020204030204" pitchFamily="49" charset="0"/>
+              </a:rPr>
+              <a:t>(</a:t>
+            </a:r>
+            <a:r>
+              <a:rPr lang="en-GB" sz="1800" dirty="0" err="1">
+                <a:latin typeface="Consolas" panose="020B0609020204030204" pitchFamily="49" charset="0"/>
+                <a:cs typeface="Consolas" panose="020B0609020204030204" pitchFamily="49" charset="0"/>
+              </a:rPr>
+              <a:t>l.contains</a:t>
+            </a:r>
+            <a:r>
+              <a:rPr lang="en-GB" sz="1800" dirty="0">
+                <a:latin typeface="Consolas" panose="020B0609020204030204" pitchFamily="49" charset="0"/>
+                <a:cs typeface="Consolas" panose="020B0609020204030204" pitchFamily="49" charset="0"/>
+              </a:rPr>
+              <a:t>("</a:t>
+            </a:r>
+            <a:r>
+              <a:rPr lang="en-GB" sz="1800" dirty="0" err="1">
+                <a:latin typeface="Consolas" panose="020B0609020204030204" pitchFamily="49" charset="0"/>
+                <a:cs typeface="Consolas" panose="020B0609020204030204" pitchFamily="49" charset="0"/>
+              </a:rPr>
+              <a:t>mario</a:t>
+            </a:r>
+            <a:r>
+              <a:rPr lang="en-GB" sz="1800" dirty="0">
+                <a:latin typeface="Consolas" panose="020B0609020204030204" pitchFamily="49" charset="0"/>
+                <a:cs typeface="Consolas" panose="020B0609020204030204" pitchFamily="49" charset="0"/>
+              </a:rPr>
+              <a:t>"));</a:t>
+            </a:r>
+            <a:endParaRPr lang="en-IT" sz="1800" dirty="0">
+              <a:latin typeface="Consolas" panose="020B0609020204030204" pitchFamily="49" charset="0"/>
+              <a:cs typeface="Consolas" panose="020B0609020204030204" pitchFamily="49" charset="0"/>
+            </a:endParaRPr>
           </a:p>
         </p:txBody>
       </p:sp>
@@ -27071,7 +27326,7 @@
           <a:p>
             <a:r>
               <a:rPr lang="en-GB" sz="1800" dirty="0"/>
-              <a:t>replace()		Searches a string for a specified value, and returns a new string where the specified values are replaced</a:t>
+              <a:t>replace()		Searches a string for a specified value, and returns a new string where those values are replaced</a:t>
             </a:r>
           </a:p>
           <a:p>
